--- a/Digital portfolio (3).pptx
+++ b/Digital portfolio (3).pptx
@@ -6217,6 +6217,10 @@
           </a:bodyPr>
           <a:lstStyle/>
           <a:p>
+            <a:r>
+              <a:rPr lang="en-IN" sz="2800"/>
+              <a:t>https://github.com/gvignesh24112bsccs-collab/Vignesh-24112.git</a:t>
+            </a:r>
             <a:endParaRPr lang="en-IN" sz="2800" dirty="0"/>
           </a:p>
         </p:txBody>
